--- a/markdown/files/slides/13.pptx
+++ b/markdown/files/slides/13.pptx
@@ -13,18 +13,17 @@
     <p:sldId id="260" r:id="rId7"/>
     <p:sldId id="262" r:id="rId8"/>
     <p:sldId id="263" r:id="rId9"/>
-    <p:sldId id="265" r:id="rId10"/>
-    <p:sldId id="273" r:id="rId11"/>
-    <p:sldId id="259" r:id="rId12"/>
-    <p:sldId id="261" r:id="rId13"/>
-    <p:sldId id="274" r:id="rId14"/>
-    <p:sldId id="264" r:id="rId15"/>
-    <p:sldId id="266" r:id="rId16"/>
-    <p:sldId id="267" r:id="rId17"/>
-    <p:sldId id="270" r:id="rId18"/>
-    <p:sldId id="269" r:id="rId19"/>
-    <p:sldId id="275" r:id="rId20"/>
-    <p:sldId id="268" r:id="rId21"/>
+    <p:sldId id="273" r:id="rId10"/>
+    <p:sldId id="259" r:id="rId11"/>
+    <p:sldId id="261" r:id="rId12"/>
+    <p:sldId id="274" r:id="rId13"/>
+    <p:sldId id="264" r:id="rId14"/>
+    <p:sldId id="266" r:id="rId15"/>
+    <p:sldId id="267" r:id="rId16"/>
+    <p:sldId id="270" r:id="rId17"/>
+    <p:sldId id="269" r:id="rId18"/>
+    <p:sldId id="275" r:id="rId19"/>
+    <p:sldId id="268" r:id="rId20"/>
   </p:sldIdLst>
   <p:sldSz cx="12192000" cy="6858000"/>
   <p:notesSz cx="6858000" cy="9144000"/>
@@ -3428,13 +3427,7 @@
   <p:cSld>
     <p:spTree>
       <p:nvGrpSpPr>
-        <p:cNvPr id="1" name="">
-          <a:extLst>
-            <a:ext uri="{FF2B5EF4-FFF2-40B4-BE49-F238E27FC236}">
-              <a16:creationId xmlns:a16="http://schemas.microsoft.com/office/drawing/2014/main" id="{A7B97121-D8FD-6F6B-93A1-115133EFCA77}"/>
-            </a:ext>
-          </a:extLst>
-        </p:cNvPr>
+        <p:cNvPr id="1" name=""/>
         <p:cNvGrpSpPr/>
         <p:nvPr/>
       </p:nvGrpSpPr>
@@ -3448,54 +3441,74 @@
       </p:grpSpPr>
       <p:sp>
         <p:nvSpPr>
-          <p:cNvPr id="4" name="Title 1">
-            <a:extLst>
-              <a:ext uri="{FF2B5EF4-FFF2-40B4-BE49-F238E27FC236}">
-                <a16:creationId xmlns:a16="http://schemas.microsoft.com/office/drawing/2014/main" id="{0C2ABDC2-448E-ADCB-31A2-769825DA2F76}"/>
-              </a:ext>
-            </a:extLst>
-          </p:cNvPr>
-          <p:cNvSpPr txBox="1">
-            <a:spLocks/>
-          </p:cNvSpPr>
-          <p:nvPr/>
-        </p:nvSpPr>
-        <p:spPr>
-          <a:xfrm>
-            <a:off x="838200" y="2766218"/>
-            <a:ext cx="10515600" cy="1325563"/>
-          </a:xfrm>
-          <a:prstGeom prst="rect">
-            <a:avLst/>
-          </a:prstGeom>
-        </p:spPr>
-        <p:txBody>
-          <a:bodyPr vert="horz" lIns="91440" tIns="45720" rIns="91440" bIns="45720" rtlCol="0" anchor="ctr">
-            <a:normAutofit/>
-          </a:bodyPr>
-          <a:lstStyle>
-            <a:lvl1pPr algn="l" defTabSz="914400" rtl="0" eaLnBrk="1" latinLnBrk="0" hangingPunct="1">
-              <a:lnSpc>
-                <a:spcPct val="90000"/>
-              </a:lnSpc>
-              <a:spcBef>
-                <a:spcPct val="0"/>
-              </a:spcBef>
-              <a:buNone/>
-              <a:defRPr sz="4400" kern="1200">
-                <a:solidFill>
-                  <a:schemeClr val="tx1"/>
-                </a:solidFill>
-                <a:latin typeface="+mj-lt"/>
-                <a:ea typeface="+mj-ea"/>
-                <a:cs typeface="+mj-cs"/>
-              </a:defRPr>
-            </a:lvl1pPr>
-          </a:lstStyle>
-          <a:p>
-            <a:r>
-              <a:rPr lang="en-US" sz="6000" dirty="0"/>
-              <a:t>Algorithm Running Time</a:t>
+          <p:cNvPr id="2" name="Title 1">
+            <a:extLst>
+              <a:ext uri="{FF2B5EF4-FFF2-40B4-BE49-F238E27FC236}">
+                <a16:creationId xmlns:a16="http://schemas.microsoft.com/office/drawing/2014/main" id="{34C48343-CB6C-EF49-B00E-836D8FC9BE51}"/>
+              </a:ext>
+            </a:extLst>
+          </p:cNvPr>
+          <p:cNvSpPr>
+            <a:spLocks noGrp="1"/>
+          </p:cNvSpPr>
+          <p:nvPr>
+            <p:ph type="title"/>
+          </p:nvPr>
+        </p:nvSpPr>
+        <p:spPr/>
+        <p:txBody>
+          <a:bodyPr/>
+          <a:lstStyle/>
+          <a:p>
+            <a:r>
+              <a:rPr lang="en-US" dirty="0"/>
+              <a:t>Running time and Data Structures</a:t>
+            </a:r>
+          </a:p>
+        </p:txBody>
+      </p:sp>
+      <p:sp>
+        <p:nvSpPr>
+          <p:cNvPr id="3" name="Content Placeholder 2">
+            <a:extLst>
+              <a:ext uri="{FF2B5EF4-FFF2-40B4-BE49-F238E27FC236}">
+                <a16:creationId xmlns:a16="http://schemas.microsoft.com/office/drawing/2014/main" id="{DB51E3F7-BEEB-A74F-4B95-40302BC94F09}"/>
+              </a:ext>
+            </a:extLst>
+          </p:cNvPr>
+          <p:cNvSpPr>
+            <a:spLocks noGrp="1"/>
+          </p:cNvSpPr>
+          <p:nvPr>
+            <p:ph idx="1"/>
+          </p:nvPr>
+        </p:nvSpPr>
+        <p:spPr/>
+        <p:txBody>
+          <a:bodyPr/>
+          <a:lstStyle/>
+          <a:p>
+            <a:pPr marL="0" indent="0">
+              <a:buNone/>
+            </a:pPr>
+            <a:r>
+              <a:rPr lang="en-US" dirty="0"/>
+              <a:t>Q: When analyzing running time, shall we take into account all the time needed for initialing all data structures?</a:t>
+            </a:r>
+          </a:p>
+          <a:p>
+            <a:pPr marL="0" indent="0">
+              <a:buNone/>
+            </a:pPr>
+            <a:endParaRPr lang="en-US" dirty="0"/>
+          </a:p>
+          <a:p>
+            <a:pPr marL="0" indent="0">
+              <a:buNone/>
+            </a:pPr>
+            <a:r>
+              <a:rPr lang="en-US" dirty="0"/>
+              <a:t>A: Well, the best answer is “it depends”. Recall that when doing running time we count specific operations. If initializing the data structures involves performing those operations, then it counts. If it doesn’t involve operations that you’re counting, then it does not.</a:t>
             </a:r>
           </a:p>
         </p:txBody>
@@ -3503,7 +3516,7 @@
     </p:spTree>
     <p:extLst>
       <p:ext uri="{BB962C8B-B14F-4D97-AF65-F5344CB8AC3E}">
-        <p14:creationId xmlns:p14="http://schemas.microsoft.com/office/powerpoint/2010/main" val="1644215979"/>
+        <p14:creationId xmlns:p14="http://schemas.microsoft.com/office/powerpoint/2010/main" val="3978934286"/>
       </p:ext>
     </p:extLst>
   </p:cSld>
@@ -3535,110 +3548,6 @@
           <p:cNvPr id="2" name="Title 1">
             <a:extLst>
               <a:ext uri="{FF2B5EF4-FFF2-40B4-BE49-F238E27FC236}">
-                <a16:creationId xmlns:a16="http://schemas.microsoft.com/office/drawing/2014/main" id="{34C48343-CB6C-EF49-B00E-836D8FC9BE51}"/>
-              </a:ext>
-            </a:extLst>
-          </p:cNvPr>
-          <p:cNvSpPr>
-            <a:spLocks noGrp="1"/>
-          </p:cNvSpPr>
-          <p:nvPr>
-            <p:ph type="title"/>
-          </p:nvPr>
-        </p:nvSpPr>
-        <p:spPr/>
-        <p:txBody>
-          <a:bodyPr/>
-          <a:lstStyle/>
-          <a:p>
-            <a:r>
-              <a:rPr lang="en-US" dirty="0"/>
-              <a:t>Running time and Data Structures</a:t>
-            </a:r>
-          </a:p>
-        </p:txBody>
-      </p:sp>
-      <p:sp>
-        <p:nvSpPr>
-          <p:cNvPr id="3" name="Content Placeholder 2">
-            <a:extLst>
-              <a:ext uri="{FF2B5EF4-FFF2-40B4-BE49-F238E27FC236}">
-                <a16:creationId xmlns:a16="http://schemas.microsoft.com/office/drawing/2014/main" id="{DB51E3F7-BEEB-A74F-4B95-40302BC94F09}"/>
-              </a:ext>
-            </a:extLst>
-          </p:cNvPr>
-          <p:cNvSpPr>
-            <a:spLocks noGrp="1"/>
-          </p:cNvSpPr>
-          <p:nvPr>
-            <p:ph idx="1"/>
-          </p:nvPr>
-        </p:nvSpPr>
-        <p:spPr/>
-        <p:txBody>
-          <a:bodyPr/>
-          <a:lstStyle/>
-          <a:p>
-            <a:pPr marL="0" indent="0">
-              <a:buNone/>
-            </a:pPr>
-            <a:r>
-              <a:rPr lang="en-US" dirty="0"/>
-              <a:t>Q: When analyzing running time, shall we take into account all the time needed for initialing all data structures?</a:t>
-            </a:r>
-          </a:p>
-          <a:p>
-            <a:pPr marL="0" indent="0">
-              <a:buNone/>
-            </a:pPr>
-            <a:endParaRPr lang="en-US" dirty="0"/>
-          </a:p>
-          <a:p>
-            <a:pPr marL="0" indent="0">
-              <a:buNone/>
-            </a:pPr>
-            <a:r>
-              <a:rPr lang="en-US" dirty="0"/>
-              <a:t>A: Well, the best answer is “it depends”. Recall that when doing running time we count specific operations. If initializing the data structures involves performing those operations, then it counts. If it doesn’t involve operations that you’re counting, then it does not.</a:t>
-            </a:r>
-          </a:p>
-        </p:txBody>
-      </p:sp>
-    </p:spTree>
-    <p:extLst>
-      <p:ext uri="{BB962C8B-B14F-4D97-AF65-F5344CB8AC3E}">
-        <p14:creationId xmlns:p14="http://schemas.microsoft.com/office/powerpoint/2010/main" val="3978934286"/>
-      </p:ext>
-    </p:extLst>
-  </p:cSld>
-  <p:clrMapOvr>
-    <a:masterClrMapping/>
-  </p:clrMapOvr>
-</p:sld>
-</file>
-
-<file path=ppt/slides/slide12.xml><?xml version="1.0" encoding="utf-8"?>
-<p:sld xmlns:a="http://schemas.openxmlformats.org/drawingml/2006/main" xmlns:r="http://schemas.openxmlformats.org/officeDocument/2006/relationships" xmlns:p="http://schemas.openxmlformats.org/presentationml/2006/main">
-  <p:cSld>
-    <p:spTree>
-      <p:nvGrpSpPr>
-        <p:cNvPr id="1" name=""/>
-        <p:cNvGrpSpPr/>
-        <p:nvPr/>
-      </p:nvGrpSpPr>
-      <p:grpSpPr>
-        <a:xfrm>
-          <a:off x="0" y="0"/>
-          <a:ext cx="0" cy="0"/>
-          <a:chOff x="0" y="0"/>
-          <a:chExt cx="0" cy="0"/>
-        </a:xfrm>
-      </p:grpSpPr>
-      <p:sp>
-        <p:nvSpPr>
-          <p:cNvPr id="2" name="Title 1">
-            <a:extLst>
-              <a:ext uri="{FF2B5EF4-FFF2-40B4-BE49-F238E27FC236}">
                 <a16:creationId xmlns:a16="http://schemas.microsoft.com/office/drawing/2014/main" id="{1269546B-2F13-118D-2E92-588F909D1723}"/>
               </a:ext>
             </a:extLst>
@@ -3729,7 +3638,7 @@
 </p:sld>
 </file>
 
-<file path=ppt/slides/slide13.xml><?xml version="1.0" encoding="utf-8"?>
+<file path=ppt/slides/slide12.xml><?xml version="1.0" encoding="utf-8"?>
 <p:sld xmlns:a="http://schemas.openxmlformats.org/drawingml/2006/main" xmlns:r="http://schemas.openxmlformats.org/officeDocument/2006/relationships" xmlns:p="http://schemas.openxmlformats.org/presentationml/2006/main">
   <p:cSld>
     <p:spTree>
@@ -3810,6 +3719,124 @@
     <p:extLst>
       <p:ext uri="{BB962C8B-B14F-4D97-AF65-F5344CB8AC3E}">
         <p14:creationId xmlns:p14="http://schemas.microsoft.com/office/powerpoint/2010/main" val="213552701"/>
+      </p:ext>
+    </p:extLst>
+  </p:cSld>
+  <p:clrMapOvr>
+    <a:masterClrMapping/>
+  </p:clrMapOvr>
+</p:sld>
+</file>
+
+<file path=ppt/slides/slide13.xml><?xml version="1.0" encoding="utf-8"?>
+<p:sld xmlns:a="http://schemas.openxmlformats.org/drawingml/2006/main" xmlns:r="http://schemas.openxmlformats.org/officeDocument/2006/relationships" xmlns:p="http://schemas.openxmlformats.org/presentationml/2006/main">
+  <p:cSld>
+    <p:spTree>
+      <p:nvGrpSpPr>
+        <p:cNvPr id="1" name=""/>
+        <p:cNvGrpSpPr/>
+        <p:nvPr/>
+      </p:nvGrpSpPr>
+      <p:grpSpPr>
+        <a:xfrm>
+          <a:off x="0" y="0"/>
+          <a:ext cx="0" cy="0"/>
+          <a:chOff x="0" y="0"/>
+          <a:chExt cx="0" cy="0"/>
+        </a:xfrm>
+      </p:grpSpPr>
+      <p:sp>
+        <p:nvSpPr>
+          <p:cNvPr id="2" name="Title 1">
+            <a:extLst>
+              <a:ext uri="{FF2B5EF4-FFF2-40B4-BE49-F238E27FC236}">
+                <a16:creationId xmlns:a16="http://schemas.microsoft.com/office/drawing/2014/main" id="{3D2FD125-1A71-91AD-75A5-FFFD8ED3488A}"/>
+              </a:ext>
+            </a:extLst>
+          </p:cNvPr>
+          <p:cNvSpPr>
+            <a:spLocks noGrp="1"/>
+          </p:cNvSpPr>
+          <p:nvPr>
+            <p:ph type="title"/>
+          </p:nvPr>
+        </p:nvSpPr>
+        <p:spPr/>
+        <p:txBody>
+          <a:bodyPr/>
+          <a:lstStyle/>
+          <a:p>
+            <a:r>
+              <a:rPr lang="en-US" dirty="0"/>
+              <a:t>Divide and Conquer Running Time</a:t>
+            </a:r>
+          </a:p>
+        </p:txBody>
+      </p:sp>
+      <p:sp>
+        <p:nvSpPr>
+          <p:cNvPr id="3" name="Content Placeholder 2">
+            <a:extLst>
+              <a:ext uri="{FF2B5EF4-FFF2-40B4-BE49-F238E27FC236}">
+                <a16:creationId xmlns:a16="http://schemas.microsoft.com/office/drawing/2014/main" id="{35296B26-6660-5D3E-A6EB-4A4679DB33F4}"/>
+              </a:ext>
+            </a:extLst>
+          </p:cNvPr>
+          <p:cNvSpPr>
+            <a:spLocks noGrp="1"/>
+          </p:cNvSpPr>
+          <p:nvPr>
+            <p:ph idx="1"/>
+          </p:nvPr>
+        </p:nvSpPr>
+        <p:spPr/>
+        <p:txBody>
+          <a:bodyPr>
+            <a:normAutofit fontScale="92500" lnSpcReduction="20000"/>
+          </a:bodyPr>
+          <a:lstStyle/>
+          <a:p>
+            <a:pPr marL="0" indent="0">
+              <a:buNone/>
+            </a:pPr>
+            <a:r>
+              <a:rPr lang="en-US" dirty="0"/>
+              <a:t>Q: Just want to go over the Complexity Analysis for divide and conquer.</a:t>
+            </a:r>
+          </a:p>
+          <a:p>
+            <a:endParaRPr lang="en-US" dirty="0"/>
+          </a:p>
+          <a:p>
+            <a:pPr marL="0" indent="0">
+              <a:buNone/>
+            </a:pPr>
+            <a:r>
+              <a:rPr lang="en-US" dirty="0"/>
+              <a:t>A: Generally you want to identify 3 things: The number of subproblems you recursively solve, the size of each subproblem, and the amount of work required to identify those subproblems and combine their recursive solutions together. </a:t>
+            </a:r>
+          </a:p>
+          <a:p>
+            <a:pPr marL="0" indent="0">
+              <a:buNone/>
+            </a:pPr>
+            <a:endParaRPr lang="en-US" dirty="0"/>
+          </a:p>
+          <a:p>
+            <a:pPr marL="0" indent="0">
+              <a:buNone/>
+            </a:pPr>
+            <a:r>
+              <a:rPr lang="en-US" dirty="0"/>
+              <a:t>For that last part (the time required to divide and combine), that’s generally done using the same process as you would use for non-recursive running time analysis. You just ignore the time for the recursive steps, because that’s taken care of by the recursive term in your recurrence.</a:t>
+            </a:r>
+          </a:p>
+        </p:txBody>
+      </p:sp>
+    </p:spTree>
+    <p:extLst>
+      <p:ext uri="{BB962C8B-B14F-4D97-AF65-F5344CB8AC3E}">
+        <p14:creationId xmlns:p14="http://schemas.microsoft.com/office/powerpoint/2010/main" val="1428060423"/>
       </p:ext>
     </p:extLst>
   </p:cSld>
@@ -3841,7 +3868,7 @@
           <p:cNvPr id="2" name="Title 1">
             <a:extLst>
               <a:ext uri="{FF2B5EF4-FFF2-40B4-BE49-F238E27FC236}">
-                <a16:creationId xmlns:a16="http://schemas.microsoft.com/office/drawing/2014/main" id="{3D2FD125-1A71-91AD-75A5-FFFD8ED3488A}"/>
+                <a16:creationId xmlns:a16="http://schemas.microsoft.com/office/drawing/2014/main" id="{D7D8ABDD-BE48-07C8-1544-A2928F5700CF}"/>
               </a:ext>
             </a:extLst>
           </p:cNvPr>
@@ -3859,7 +3886,7 @@
           <a:p>
             <a:r>
               <a:rPr lang="en-US" dirty="0"/>
-              <a:t>Divide and Conquer Running Time</a:t>
+              <a:t>D&amp;C Recursion</a:t>
             </a:r>
           </a:p>
         </p:txBody>
@@ -3869,7 +3896,7 @@
           <p:cNvPr id="3" name="Content Placeholder 2">
             <a:extLst>
               <a:ext uri="{FF2B5EF4-FFF2-40B4-BE49-F238E27FC236}">
-                <a16:creationId xmlns:a16="http://schemas.microsoft.com/office/drawing/2014/main" id="{35296B26-6660-5D3E-A6EB-4A4679DB33F4}"/>
+                <a16:creationId xmlns:a16="http://schemas.microsoft.com/office/drawing/2014/main" id="{114EA812-8F05-E781-443A-8FF08946D9A6}"/>
               </a:ext>
             </a:extLst>
           </p:cNvPr>
@@ -3892,19 +3919,7 @@
             </a:pPr>
             <a:r>
               <a:rPr lang="en-US" dirty="0"/>
-              <a:t>Q: Just want to go over the Complexity Analysis for divide and conquer.</a:t>
-            </a:r>
-          </a:p>
-          <a:p>
-            <a:endParaRPr lang="en-US" dirty="0"/>
-          </a:p>
-          <a:p>
-            <a:pPr marL="0" indent="0">
-              <a:buNone/>
-            </a:pPr>
-            <a:r>
-              <a:rPr lang="en-US" dirty="0"/>
-              <a:t>A: Generally you want to identify 3 things: The number of subproblems you recursively solve, the size of each subproblem, and the amount of work required to identify those subproblems and combine their recursive solutions together. </a:t>
+              <a:t>Q: Could you go over the recursive part of divide and conquer algorithms?</a:t>
             </a:r>
           </a:p>
           <a:p>
@@ -3919,7 +3934,7 @@
             </a:pPr>
             <a:r>
               <a:rPr lang="en-US" dirty="0"/>
-              <a:t>For that last part (the time required to divide and combine), that’s generally done using the same process as you would use for non-recursive running time analysis. You just ignore the time for the recursive steps, because that’s taken care of by the recursive term in your recurrence.</a:t>
+              <a:t>A: Here’s the intuition I personally find most helpful for divide and conquer algorithms. It’s easier to solve problems on small inputs than larger ones, so if I can somehow express my large solution using smaller solutions then that should make things easier. When we’re dividing we’re picking smaller versions of the same problem. We then use potential solutions for those problems to help us find the answer for the big problem. Importantly, ANY way of finding solutions to those small problems is sufficient for finding the answer to the big problem. We could use some more direct way of doing it iteratively (this is the base case), or if we think our algorithm is really good we could just use that instead (recursively).</a:t>
             </a:r>
           </a:p>
         </p:txBody>
@@ -3927,7 +3942,7 @@
     </p:spTree>
     <p:extLst>
       <p:ext uri="{BB962C8B-B14F-4D97-AF65-F5344CB8AC3E}">
-        <p14:creationId xmlns:p14="http://schemas.microsoft.com/office/powerpoint/2010/main" val="1428060423"/>
+        <p14:creationId xmlns:p14="http://schemas.microsoft.com/office/powerpoint/2010/main" val="875739698"/>
       </p:ext>
     </p:extLst>
   </p:cSld>
@@ -3959,7 +3974,7 @@
           <p:cNvPr id="2" name="Title 1">
             <a:extLst>
               <a:ext uri="{FF2B5EF4-FFF2-40B4-BE49-F238E27FC236}">
-                <a16:creationId xmlns:a16="http://schemas.microsoft.com/office/drawing/2014/main" id="{D7D8ABDD-BE48-07C8-1544-A2928F5700CF}"/>
+                <a16:creationId xmlns:a16="http://schemas.microsoft.com/office/drawing/2014/main" id="{54E95199-FD62-0BEA-4980-3FF5F63BD61B}"/>
               </a:ext>
             </a:extLst>
           </p:cNvPr>
@@ -3977,7 +3992,7 @@
           <a:p>
             <a:r>
               <a:rPr lang="en-US" dirty="0"/>
-              <a:t>D&amp;C Recursion</a:t>
+              <a:t>D&amp;C Design Strategy</a:t>
             </a:r>
           </a:p>
         </p:txBody>
@@ -3987,7 +4002,7 @@
           <p:cNvPr id="3" name="Content Placeholder 2">
             <a:extLst>
               <a:ext uri="{FF2B5EF4-FFF2-40B4-BE49-F238E27FC236}">
-                <a16:creationId xmlns:a16="http://schemas.microsoft.com/office/drawing/2014/main" id="{114EA812-8F05-E781-443A-8FF08946D9A6}"/>
+                <a16:creationId xmlns:a16="http://schemas.microsoft.com/office/drawing/2014/main" id="{536BD45C-A428-B6A4-31BD-8184D54B617F}"/>
               </a:ext>
             </a:extLst>
           </p:cNvPr>
@@ -4001,7 +4016,7 @@
         <p:spPr/>
         <p:txBody>
           <a:bodyPr>
-            <a:normAutofit fontScale="92500" lnSpcReduction="20000"/>
+            <a:normAutofit fontScale="70000" lnSpcReduction="20000"/>
           </a:bodyPr>
           <a:lstStyle/>
           <a:p>
@@ -4010,7 +4025,7 @@
             </a:pPr>
             <a:r>
               <a:rPr lang="en-US" dirty="0"/>
-              <a:t>Q: Could you go over the recursive part of divide and conquer algorithms?</a:t>
+              <a:t>Q: I would like to know how to develop divide and conquer algorithms</a:t>
             </a:r>
           </a:p>
           <a:p>
@@ -4025,7 +4040,37 @@
             </a:pPr>
             <a:r>
               <a:rPr lang="en-US" dirty="0"/>
-              <a:t>A: Here’s the intuition I personally find most helpful for divide and conquer algorithms. It’s easier to solve problems on small inputs than larger ones, so if I can somehow express my large solution using smaller solutions then that should make things easier. When we’re dividing we’re picking smaller versions of the same problem. We then use potential solutions for those problems to help us find the answer for the big problem. Importantly, ANY way of finding solutions to those small problems is sufficient for finding the answer to the big problem. We could use some more direct way of doing it iteratively (this is the base case), or if we think our algorithm is really good we could just use that instead (recursively).</a:t>
+              <a:t>A: Usually divide and conquer are going to be most helpful for improving the running time of algorithms. It will pretty much always be the case that some more straightforward approach will give us a correct answer, but more slowly.</a:t>
+            </a:r>
+          </a:p>
+          <a:p>
+            <a:pPr marL="0" indent="0">
+              <a:buNone/>
+            </a:pPr>
+            <a:endParaRPr lang="en-US" dirty="0"/>
+          </a:p>
+          <a:p>
+            <a:pPr marL="0" indent="0">
+              <a:buNone/>
+            </a:pPr>
+            <a:r>
+              <a:rPr lang="en-US" dirty="0"/>
+              <a:t>For this reason, I think it’s most helpful to first target a running time (that’s faster than a naïve solution), then attempt to design an algorithm to achieve that running time. Once we have our running time, we can use the master theorem to identify a “pattern” / “budget” of our D&amp;C algorithm. By this I mean that we can use that to guess how many subproblems we might have, how big each is, and how much non-recursive work we can afford to do.</a:t>
+            </a:r>
+          </a:p>
+          <a:p>
+            <a:pPr marL="0" indent="0">
+              <a:buNone/>
+            </a:pPr>
+            <a:endParaRPr lang="en-US" dirty="0"/>
+          </a:p>
+          <a:p>
+            <a:pPr marL="0" indent="0">
+              <a:buNone/>
+            </a:pPr>
+            <a:r>
+              <a:rPr lang="en-US" dirty="0"/>
+              <a:t>If you do not know how where else to start, start by trying to break your problem in half and see where that takes you!</a:t>
             </a:r>
           </a:p>
         </p:txBody>
@@ -4033,7 +4078,7 @@
     </p:spTree>
     <p:extLst>
       <p:ext uri="{BB962C8B-B14F-4D97-AF65-F5344CB8AC3E}">
-        <p14:creationId xmlns:p14="http://schemas.microsoft.com/office/powerpoint/2010/main" val="875739698"/>
+        <p14:creationId xmlns:p14="http://schemas.microsoft.com/office/powerpoint/2010/main" val="1065894258"/>
       </p:ext>
     </p:extLst>
   </p:cSld>
@@ -4065,142 +4110,6 @@
           <p:cNvPr id="2" name="Title 1">
             <a:extLst>
               <a:ext uri="{FF2B5EF4-FFF2-40B4-BE49-F238E27FC236}">
-                <a16:creationId xmlns:a16="http://schemas.microsoft.com/office/drawing/2014/main" id="{54E95199-FD62-0BEA-4980-3FF5F63BD61B}"/>
-              </a:ext>
-            </a:extLst>
-          </p:cNvPr>
-          <p:cNvSpPr>
-            <a:spLocks noGrp="1"/>
-          </p:cNvSpPr>
-          <p:nvPr>
-            <p:ph type="title"/>
-          </p:nvPr>
-        </p:nvSpPr>
-        <p:spPr/>
-        <p:txBody>
-          <a:bodyPr/>
-          <a:lstStyle/>
-          <a:p>
-            <a:r>
-              <a:rPr lang="en-US" dirty="0"/>
-              <a:t>D&amp;C Design Strategy</a:t>
-            </a:r>
-          </a:p>
-        </p:txBody>
-      </p:sp>
-      <p:sp>
-        <p:nvSpPr>
-          <p:cNvPr id="3" name="Content Placeholder 2">
-            <a:extLst>
-              <a:ext uri="{FF2B5EF4-FFF2-40B4-BE49-F238E27FC236}">
-                <a16:creationId xmlns:a16="http://schemas.microsoft.com/office/drawing/2014/main" id="{536BD45C-A428-B6A4-31BD-8184D54B617F}"/>
-              </a:ext>
-            </a:extLst>
-          </p:cNvPr>
-          <p:cNvSpPr>
-            <a:spLocks noGrp="1"/>
-          </p:cNvSpPr>
-          <p:nvPr>
-            <p:ph idx="1"/>
-          </p:nvPr>
-        </p:nvSpPr>
-        <p:spPr/>
-        <p:txBody>
-          <a:bodyPr>
-            <a:normAutofit fontScale="70000" lnSpcReduction="20000"/>
-          </a:bodyPr>
-          <a:lstStyle/>
-          <a:p>
-            <a:pPr marL="0" indent="0">
-              <a:buNone/>
-            </a:pPr>
-            <a:r>
-              <a:rPr lang="en-US" dirty="0"/>
-              <a:t>Q: I would like to know how to develop divide and conquer algorithms</a:t>
-            </a:r>
-          </a:p>
-          <a:p>
-            <a:pPr marL="0" indent="0">
-              <a:buNone/>
-            </a:pPr>
-            <a:endParaRPr lang="en-US" dirty="0"/>
-          </a:p>
-          <a:p>
-            <a:pPr marL="0" indent="0">
-              <a:buNone/>
-            </a:pPr>
-            <a:r>
-              <a:rPr lang="en-US" dirty="0"/>
-              <a:t>A: Usually divide and conquer are going to be most helpful for improving the running time of algorithms. It will pretty much always be the case that some more straightforward approach will give us a correct answer, but more slowly.</a:t>
-            </a:r>
-          </a:p>
-          <a:p>
-            <a:pPr marL="0" indent="0">
-              <a:buNone/>
-            </a:pPr>
-            <a:endParaRPr lang="en-US" dirty="0"/>
-          </a:p>
-          <a:p>
-            <a:pPr marL="0" indent="0">
-              <a:buNone/>
-            </a:pPr>
-            <a:r>
-              <a:rPr lang="en-US" dirty="0"/>
-              <a:t>For this reason, I think it’s most helpful to first target a running time (that’s faster than a naïve solution), then attempt to design an algorithm to achieve that running time. Once we have our running time, we can use the master theorem to identify a “pattern” / “budget” of our D&amp;C algorithm. By this I mean that we can use that to guess how many subproblems we might have, how big each is, and how much non-recursive work we can afford to do.</a:t>
-            </a:r>
-          </a:p>
-          <a:p>
-            <a:pPr marL="0" indent="0">
-              <a:buNone/>
-            </a:pPr>
-            <a:endParaRPr lang="en-US" dirty="0"/>
-          </a:p>
-          <a:p>
-            <a:pPr marL="0" indent="0">
-              <a:buNone/>
-            </a:pPr>
-            <a:r>
-              <a:rPr lang="en-US" dirty="0"/>
-              <a:t>If you do not know how where else to start, start by trying to break your problem in half and see where that takes you!</a:t>
-            </a:r>
-          </a:p>
-        </p:txBody>
-      </p:sp>
-    </p:spTree>
-    <p:extLst>
-      <p:ext uri="{BB962C8B-B14F-4D97-AF65-F5344CB8AC3E}">
-        <p14:creationId xmlns:p14="http://schemas.microsoft.com/office/powerpoint/2010/main" val="1065894258"/>
-      </p:ext>
-    </p:extLst>
-  </p:cSld>
-  <p:clrMapOvr>
-    <a:masterClrMapping/>
-  </p:clrMapOvr>
-</p:sld>
-</file>
-
-<file path=ppt/slides/slide17.xml><?xml version="1.0" encoding="utf-8"?>
-<p:sld xmlns:a="http://schemas.openxmlformats.org/drawingml/2006/main" xmlns:r="http://schemas.openxmlformats.org/officeDocument/2006/relationships" xmlns:p="http://schemas.openxmlformats.org/presentationml/2006/main">
-  <p:cSld>
-    <p:spTree>
-      <p:nvGrpSpPr>
-        <p:cNvPr id="1" name=""/>
-        <p:cNvGrpSpPr/>
-        <p:nvPr/>
-      </p:nvGrpSpPr>
-      <p:grpSpPr>
-        <a:xfrm>
-          <a:off x="0" y="0"/>
-          <a:ext cx="0" cy="0"/>
-          <a:chOff x="0" y="0"/>
-          <a:chExt cx="0" cy="0"/>
-        </a:xfrm>
-      </p:grpSpPr>
-      <p:sp>
-        <p:nvSpPr>
-          <p:cNvPr id="2" name="Title 1">
-            <a:extLst>
-              <a:ext uri="{FF2B5EF4-FFF2-40B4-BE49-F238E27FC236}">
                 <a16:creationId xmlns:a16="http://schemas.microsoft.com/office/drawing/2014/main" id="{C570B7AF-8BEB-15A3-6CFB-225595AC477A}"/>
               </a:ext>
             </a:extLst>
@@ -4280,7 +4189,7 @@
 </p:sld>
 </file>
 
-<file path=ppt/slides/slide18.xml><?xml version="1.0" encoding="utf-8"?>
+<file path=ppt/slides/slide17.xml><?xml version="1.0" encoding="utf-8"?>
 <p:sld xmlns:a="http://schemas.openxmlformats.org/drawingml/2006/main" xmlns:r="http://schemas.openxmlformats.org/officeDocument/2006/relationships" xmlns:p="http://schemas.openxmlformats.org/presentationml/2006/main">
   <p:cSld>
     <p:spTree>
@@ -4593,7 +4502,7 @@
 </p:sld>
 </file>
 
-<file path=ppt/slides/slide19.xml><?xml version="1.0" encoding="utf-8"?>
+<file path=ppt/slides/slide18.xml><?xml version="1.0" encoding="utf-8"?>
 <p:sld xmlns:a="http://schemas.openxmlformats.org/drawingml/2006/main" xmlns:r="http://schemas.openxmlformats.org/officeDocument/2006/relationships" xmlns:p="http://schemas.openxmlformats.org/presentationml/2006/main">
   <p:cSld>
     <p:spTree>
@@ -4674,6 +4583,143 @@
     <p:extLst>
       <p:ext uri="{BB962C8B-B14F-4D97-AF65-F5344CB8AC3E}">
         <p14:creationId xmlns:p14="http://schemas.microsoft.com/office/powerpoint/2010/main" val="2237874267"/>
+      </p:ext>
+    </p:extLst>
+  </p:cSld>
+  <p:clrMapOvr>
+    <a:masterClrMapping/>
+  </p:clrMapOvr>
+</p:sld>
+</file>
+
+<file path=ppt/slides/slide19.xml><?xml version="1.0" encoding="utf-8"?>
+<p:sld xmlns:a="http://schemas.openxmlformats.org/drawingml/2006/main" xmlns:r="http://schemas.openxmlformats.org/officeDocument/2006/relationships" xmlns:p="http://schemas.openxmlformats.org/presentationml/2006/main">
+  <p:cSld>
+    <p:spTree>
+      <p:nvGrpSpPr>
+        <p:cNvPr id="1" name=""/>
+        <p:cNvGrpSpPr/>
+        <p:nvPr/>
+      </p:nvGrpSpPr>
+      <p:grpSpPr>
+        <a:xfrm>
+          <a:off x="0" y="0"/>
+          <a:ext cx="0" cy="0"/>
+          <a:chOff x="0" y="0"/>
+          <a:chExt cx="0" cy="0"/>
+        </a:xfrm>
+      </p:grpSpPr>
+      <p:sp>
+        <p:nvSpPr>
+          <p:cNvPr id="2" name="Title 1">
+            <a:extLst>
+              <a:ext uri="{FF2B5EF4-FFF2-40B4-BE49-F238E27FC236}">
+                <a16:creationId xmlns:a16="http://schemas.microsoft.com/office/drawing/2014/main" id="{78C61285-756E-FBAC-2EE5-8A9EDA85F47B}"/>
+              </a:ext>
+            </a:extLst>
+          </p:cNvPr>
+          <p:cNvSpPr>
+            <a:spLocks noGrp="1"/>
+          </p:cNvSpPr>
+          <p:nvPr>
+            <p:ph type="title"/>
+          </p:nvPr>
+        </p:nvSpPr>
+        <p:spPr/>
+        <p:txBody>
+          <a:bodyPr/>
+          <a:lstStyle/>
+          <a:p>
+            <a:r>
+              <a:rPr lang="en-US" dirty="0"/>
+              <a:t>Level of Difficulty</a:t>
+            </a:r>
+          </a:p>
+        </p:txBody>
+      </p:sp>
+      <p:sp>
+        <p:nvSpPr>
+          <p:cNvPr id="3" name="Content Placeholder 2">
+            <a:extLst>
+              <a:ext uri="{FF2B5EF4-FFF2-40B4-BE49-F238E27FC236}">
+                <a16:creationId xmlns:a16="http://schemas.microsoft.com/office/drawing/2014/main" id="{2B981D57-8198-5A5F-A1D1-15F3FE09BA61}"/>
+              </a:ext>
+            </a:extLst>
+          </p:cNvPr>
+          <p:cNvSpPr>
+            <a:spLocks noGrp="1"/>
+          </p:cNvSpPr>
+          <p:nvPr>
+            <p:ph idx="1"/>
+          </p:nvPr>
+        </p:nvSpPr>
+        <p:spPr/>
+        <p:txBody>
+          <a:bodyPr>
+            <a:normAutofit fontScale="85000" lnSpcReduction="20000"/>
+          </a:bodyPr>
+          <a:lstStyle/>
+          <a:p>
+            <a:pPr marL="0" indent="0">
+              <a:buNone/>
+            </a:pPr>
+            <a:r>
+              <a:rPr lang="en-US" dirty="0"/>
+              <a:t>Q: Will we being asked about the extension of the Gale-Shapley algorithm, like the hospital one in the homework, what level of difficulty will we test on Gale-Shapley algorithm </a:t>
+            </a:r>
+          </a:p>
+          <a:p>
+            <a:endParaRPr lang="en-US" dirty="0"/>
+          </a:p>
+          <a:p>
+            <a:pPr marL="0" indent="0">
+              <a:buNone/>
+            </a:pPr>
+            <a:r>
+              <a:rPr lang="en-US" dirty="0"/>
+              <a:t>A: Level of difficulty is subjective, so I’m not going to be able to give a precise answer, really just an idea or motivation. In the </a:t>
+            </a:r>
+            <a:r>
+              <a:rPr lang="en-US" dirty="0">
+                <a:hlinkClick r:id="rId2"/>
+              </a:rPr>
+              <a:t>syllabus</a:t>
+            </a:r>
+            <a:r>
+              <a:rPr lang="en-US" dirty="0"/>
+              <a:t> we state </a:t>
+            </a:r>
+          </a:p>
+          <a:p>
+            <a:pPr marL="0" indent="0">
+              <a:buNone/>
+            </a:pPr>
+            <a:r>
+              <a:rPr lang="en-US" dirty="0"/>
+              <a:t>“Assessments will feature problems similar to standard homework, but are intended to be slightly easier given the limited time.”</a:t>
+            </a:r>
+          </a:p>
+          <a:p>
+            <a:pPr marL="0" indent="0">
+              <a:buNone/>
+            </a:pPr>
+            <a:endParaRPr lang="en-US" dirty="0"/>
+          </a:p>
+          <a:p>
+            <a:pPr marL="0" indent="0">
+              <a:buNone/>
+            </a:pPr>
+            <a:r>
+              <a:rPr lang="en-US" dirty="0"/>
+              <a:t>So the idea is that we will aim for the quiz to use the same “muscle” that you trained by completing and revising your homework. We will definitely scale down the difficulty of these tasks, however, because time is more limited, and we’re trying to assess what you have already learned, rather than provide experiences to expand your understanding.</a:t>
+            </a:r>
+          </a:p>
+        </p:txBody>
+      </p:sp>
+    </p:spTree>
+    <p:extLst>
+      <p:ext uri="{BB962C8B-B14F-4D97-AF65-F5344CB8AC3E}">
+        <p14:creationId xmlns:p14="http://schemas.microsoft.com/office/powerpoint/2010/main" val="606088972"/>
       </p:ext>
     </p:extLst>
   </p:cSld>
@@ -4766,148 +4812,6 @@
     <p:extLst>
       <p:ext uri="{BB962C8B-B14F-4D97-AF65-F5344CB8AC3E}">
         <p14:creationId xmlns:p14="http://schemas.microsoft.com/office/powerpoint/2010/main" val="4162376793"/>
-      </p:ext>
-    </p:extLst>
-  </p:cSld>
-  <p:clrMapOvr>
-    <a:masterClrMapping/>
-  </p:clrMapOvr>
-</p:sld>
-</file>
-
-<file path=ppt/slides/slide20.xml><?xml version="1.0" encoding="utf-8"?>
-<p:sld xmlns:a="http://schemas.openxmlformats.org/drawingml/2006/main" xmlns:r="http://schemas.openxmlformats.org/officeDocument/2006/relationships" xmlns:p="http://schemas.openxmlformats.org/presentationml/2006/main">
-  <p:cSld>
-    <p:spTree>
-      <p:nvGrpSpPr>
-        <p:cNvPr id="1" name=""/>
-        <p:cNvGrpSpPr/>
-        <p:nvPr/>
-      </p:nvGrpSpPr>
-      <p:grpSpPr>
-        <a:xfrm>
-          <a:off x="0" y="0"/>
-          <a:ext cx="0" cy="0"/>
-          <a:chOff x="0" y="0"/>
-          <a:chExt cx="0" cy="0"/>
-        </a:xfrm>
-      </p:grpSpPr>
-      <p:sp>
-        <p:nvSpPr>
-          <p:cNvPr id="2" name="Title 1">
-            <a:extLst>
-              <a:ext uri="{FF2B5EF4-FFF2-40B4-BE49-F238E27FC236}">
-                <a16:creationId xmlns:a16="http://schemas.microsoft.com/office/drawing/2014/main" id="{78C61285-756E-FBAC-2EE5-8A9EDA85F47B}"/>
-              </a:ext>
-            </a:extLst>
-          </p:cNvPr>
-          <p:cNvSpPr>
-            <a:spLocks noGrp="1"/>
-          </p:cNvSpPr>
-          <p:nvPr>
-            <p:ph type="title"/>
-          </p:nvPr>
-        </p:nvSpPr>
-        <p:spPr/>
-        <p:txBody>
-          <a:bodyPr/>
-          <a:lstStyle/>
-          <a:p>
-            <a:r>
-              <a:rPr lang="en-US" dirty="0"/>
-              <a:t>Level of Difficulty</a:t>
-            </a:r>
-          </a:p>
-        </p:txBody>
-      </p:sp>
-      <p:sp>
-        <p:nvSpPr>
-          <p:cNvPr id="3" name="Content Placeholder 2">
-            <a:extLst>
-              <a:ext uri="{FF2B5EF4-FFF2-40B4-BE49-F238E27FC236}">
-                <a16:creationId xmlns:a16="http://schemas.microsoft.com/office/drawing/2014/main" id="{2B981D57-8198-5A5F-A1D1-15F3FE09BA61}"/>
-              </a:ext>
-            </a:extLst>
-          </p:cNvPr>
-          <p:cNvSpPr>
-            <a:spLocks noGrp="1"/>
-          </p:cNvSpPr>
-          <p:nvPr>
-            <p:ph idx="1"/>
-          </p:nvPr>
-        </p:nvSpPr>
-        <p:spPr/>
-        <p:txBody>
-          <a:bodyPr>
-            <a:normAutofit fontScale="85000" lnSpcReduction="20000"/>
-          </a:bodyPr>
-          <a:lstStyle/>
-          <a:p>
-            <a:pPr marL="0" indent="0">
-              <a:buNone/>
-            </a:pPr>
-            <a:r>
-              <a:rPr lang="en-US" dirty="0"/>
-              <a:t>Q: Will we being asked about the extension of the Gale-Shapley algorithm, like the hospital one in the homework, what level of difficulty will we test on Gale-Shapley algorithm </a:t>
-            </a:r>
-          </a:p>
-          <a:p>
-            <a:endParaRPr lang="en-US" dirty="0"/>
-          </a:p>
-          <a:p>
-            <a:pPr marL="0" indent="0">
-              <a:buNone/>
-            </a:pPr>
-            <a:r>
-              <a:rPr lang="en-US" dirty="0"/>
-              <a:t>A: Level of difficulty is subjective, so I’m not going to be able to give a precise answer, really just an idea or motivation. In the </a:t>
-            </a:r>
-            <a:r>
-              <a:rPr lang="en-US" dirty="0">
-                <a:hlinkClick r:id="rId2"/>
-              </a:rPr>
-              <a:t>syllabus</a:t>
-            </a:r>
-            <a:r>
-              <a:rPr lang="en-US" dirty="0"/>
-              <a:t> we state </a:t>
-            </a:r>
-          </a:p>
-          <a:p>
-            <a:pPr marL="0" indent="0">
-              <a:buNone/>
-            </a:pPr>
-            <a:r>
-              <a:rPr lang="en-US" dirty="0"/>
-              <a:t>“Assessments will feature problems similar to standard homework, but are intended to be slightly easier given the limited time.”</a:t>
-            </a:r>
-          </a:p>
-          <a:p>
-            <a:pPr marL="0" indent="0">
-              <a:buNone/>
-            </a:pPr>
-            <a:endParaRPr lang="en-US" dirty="0"/>
-          </a:p>
-          <a:p>
-            <a:pPr marL="0" indent="0">
-              <a:buNone/>
-            </a:pPr>
-            <a:r>
-              <a:rPr lang="en-US" dirty="0"/>
-              <a:t>So the idea is that we will aim for the quiz to use the same “muscle” that you trained by completing and revising your homework. We will definitely scale down the difficulty of these tasks, however, because time is more limited, and we’re trying to assess what you have already learned, rather than provide experiences to expand </a:t>
-            </a:r>
-            <a:r>
-              <a:rPr lang="en-US"/>
-              <a:t>your understanding.</a:t>
-            </a:r>
-            <a:endParaRPr lang="en-US" dirty="0"/>
-          </a:p>
-        </p:txBody>
-      </p:sp>
-    </p:spTree>
-    <p:extLst>
-      <p:ext uri="{BB962C8B-B14F-4D97-AF65-F5344CB8AC3E}">
-        <p14:creationId xmlns:p14="http://schemas.microsoft.com/office/powerpoint/2010/main" val="606088972"/>
       </p:ext>
     </p:extLst>
   </p:cSld>
@@ -5161,7 +5065,9 @@
         </p:nvSpPr>
         <p:spPr/>
         <p:txBody>
-          <a:bodyPr/>
+          <a:bodyPr>
+            <a:normAutofit fontScale="92500"/>
+          </a:bodyPr>
           <a:lstStyle/>
           <a:p>
             <a:pPr marL="0" indent="0">
@@ -5169,7 +5075,22 @@
             </a:pPr>
             <a:r>
               <a:rPr lang="en-US" dirty="0"/>
-              <a:t>When proving soundness, how to find out the exceptions? Could you please provide more detailed examples of what cases should be treated as exceptions and how to locate them, i.e. under what conditions are they likely to occur?</a:t>
+              <a:t>Q: When proving soundness, how to find out the exceptions? Could you please provide more detailed examples of what cases should be treated as exceptions and how to locate them, i.e. under what conditions are they likely to occur?</a:t>
+            </a:r>
+          </a:p>
+          <a:p>
+            <a:pPr marL="0" indent="0">
+              <a:buNone/>
+            </a:pPr>
+            <a:endParaRPr lang="en-US" dirty="0"/>
+          </a:p>
+          <a:p>
+            <a:pPr marL="0" indent="0">
+              <a:buNone/>
+            </a:pPr>
+            <a:r>
+              <a:rPr lang="en-US" dirty="0"/>
+              <a:t>A: Some operations only have defined behavior for certain parameters. For those operations, we need to justify that when we do those operations, the arguments are within those parameters. For example, addition is defined for all integers, but division is not (it’s not defined for a denominator of 0). So we would need to justify that we never divide by zero, but the addition does not need to be addressed</a:t>
             </a:r>
           </a:p>
         </p:txBody>
@@ -5253,9 +5174,27 @@
           <a:bodyPr/>
           <a:lstStyle/>
           <a:p>
+            <a:pPr marL="0" indent="0">
+              <a:buNone/>
+            </a:pPr>
             <a:r>
               <a:rPr lang="en-US" dirty="0"/>
-              <a:t>Depth we need to go when proving algorithms correct.</a:t>
+              <a:t>Q: Depth we need to go when proving algorithms correct.</a:t>
+            </a:r>
+          </a:p>
+          <a:p>
+            <a:pPr marL="0" indent="0">
+              <a:buNone/>
+            </a:pPr>
+            <a:endParaRPr lang="en-US" dirty="0"/>
+          </a:p>
+          <a:p>
+            <a:pPr marL="0" indent="0">
+              <a:buNone/>
+            </a:pPr>
+            <a:r>
+              <a:rPr lang="en-US" dirty="0"/>
+              <a:t>A: The standard we’re going for is that steps should be obvious to others in the class. If the majority of the class would want further explanation of a step, then you should provide that explanation. </a:t>
             </a:r>
           </a:p>
         </p:txBody>
@@ -5339,9 +5278,27 @@
           <a:bodyPr/>
           <a:lstStyle/>
           <a:p>
+            <a:pPr marL="0" indent="0">
+              <a:buNone/>
+            </a:pPr>
             <a:r>
               <a:rPr lang="en-US" dirty="0"/>
-              <a:t>Tips/advice for writing proofs would be great.</a:t>
+              <a:t>Q: Tips/advice for writing proofs would be great.</a:t>
+            </a:r>
+          </a:p>
+          <a:p>
+            <a:pPr marL="0" indent="0">
+              <a:buNone/>
+            </a:pPr>
+            <a:endParaRPr lang="en-US" dirty="0"/>
+          </a:p>
+          <a:p>
+            <a:pPr marL="0" indent="0">
+              <a:buNone/>
+            </a:pPr>
+            <a:r>
+              <a:rPr lang="en-US" dirty="0"/>
+              <a:t>A: Really, a proof is just explaining how you know something to be true in a way that makes it clear that you know what you’re talking about. Start by convincing yourself that something is true, then carefully explain yourself using one of the strategies that we’ve discussed.</a:t>
             </a:r>
           </a:p>
         </p:txBody>
@@ -5404,34 +5361,126 @@
           </a:p>
         </p:txBody>
       </p:sp>
-      <p:sp>
-        <p:nvSpPr>
-          <p:cNvPr id="3" name="Content Placeholder 2">
-            <a:extLst>
-              <a:ext uri="{FF2B5EF4-FFF2-40B4-BE49-F238E27FC236}">
-                <a16:creationId xmlns:a16="http://schemas.microsoft.com/office/drawing/2014/main" id="{EA413CE1-1B1D-C22B-0739-61CFD941B643}"/>
-              </a:ext>
-            </a:extLst>
-          </p:cNvPr>
-          <p:cNvSpPr>
-            <a:spLocks noGrp="1"/>
-          </p:cNvSpPr>
-          <p:nvPr>
-            <p:ph idx="1"/>
-          </p:nvPr>
-        </p:nvSpPr>
-        <p:spPr/>
-        <p:txBody>
-          <a:bodyPr/>
-          <a:lstStyle/>
-          <a:p>
-            <a:r>
-              <a:rPr lang="en-US" dirty="0"/>
-              <a:t>How to determine loop invariants?</a:t>
-            </a:r>
-          </a:p>
-        </p:txBody>
-      </p:sp>
+      <mc:AlternateContent xmlns:mc="http://schemas.openxmlformats.org/markup-compatibility/2006">
+        <mc:Choice xmlns:a14="http://schemas.microsoft.com/office/drawing/2010/main" Requires="a14">
+          <p:sp>
+            <p:nvSpPr>
+              <p:cNvPr id="3" name="Content Placeholder 2">
+                <a:extLst>
+                  <a:ext uri="{FF2B5EF4-FFF2-40B4-BE49-F238E27FC236}">
+                    <a16:creationId xmlns:a16="http://schemas.microsoft.com/office/drawing/2014/main" id="{EA413CE1-1B1D-C22B-0739-61CFD941B643}"/>
+                  </a:ext>
+                </a:extLst>
+              </p:cNvPr>
+              <p:cNvSpPr>
+                <a:spLocks noGrp="1"/>
+              </p:cNvSpPr>
+              <p:nvPr>
+                <p:ph idx="1"/>
+              </p:nvPr>
+            </p:nvSpPr>
+            <p:spPr/>
+            <p:txBody>
+              <a:bodyPr>
+                <a:normAutofit fontScale="77500" lnSpcReduction="20000"/>
+              </a:bodyPr>
+              <a:lstStyle/>
+              <a:p>
+                <a:pPr marL="0" indent="0">
+                  <a:buNone/>
+                </a:pPr>
+                <a:r>
+                  <a:rPr lang="en-US" dirty="0"/>
+                  <a:t>Q: How to determine loop invariants?</a:t>
+                </a:r>
+              </a:p>
+              <a:p>
+                <a:pPr marL="0" indent="0">
+                  <a:buNone/>
+                </a:pPr>
+                <a:endParaRPr lang="en-US" dirty="0"/>
+              </a:p>
+              <a:p>
+                <a:pPr marL="0" indent="0">
+                  <a:buNone/>
+                </a:pPr>
+                <a:r>
+                  <a:rPr lang="en-US" dirty="0"/>
+                  <a:t>A: Loop invariants are simply statements that are true throughout the entire loop, so there’s a lot of flexibility in what a loop invariant might be. The important thing to keep in mind is that we’re trying to use the loop invariant to justify correctness, so we should pick one relevant for that goal. Start by thinking about what the algorithm needs to return, then consider what about the loop ensures that this value will be correct. </a:t>
+                </a:r>
+              </a:p>
+              <a:p>
+                <a:pPr marL="0" indent="0">
+                  <a:buNone/>
+                </a:pPr>
+                <a:endParaRPr lang="en-US" dirty="0"/>
+              </a:p>
+              <a:p>
+                <a:pPr marL="0" indent="0">
+                  <a:buNone/>
+                </a:pPr>
+                <a:r>
+                  <a:rPr lang="en-US" dirty="0"/>
+                  <a:t>The idea is that loops are just doing a single action over and over again in a chain. Our loop invariant, therefore, is just trying to connect that chain from the input to the output. Keep in mind that for most loops, if you stop the loop sooner then you have an answer for a smaller version of the same problem. For this reason, loop invariants often take the form of a statement like “the algorithm is correct for the prefix </a:t>
+                </a:r>
+                <a14:m>
+                  <m:oMath xmlns:m="http://schemas.openxmlformats.org/officeDocument/2006/math">
+                    <m:r>
+                      <a:rPr lang="en-US" b="0" i="1" smtClean="0">
+                        <a:latin typeface="Cambria Math" panose="02040503050406030204" pitchFamily="18" charset="0"/>
+                      </a:rPr>
+                      <m:t>𝑖</m:t>
+                    </m:r>
+                  </m:oMath>
+                </a14:m>
+                <a:r>
+                  <a:rPr lang="en-US" dirty="0"/>
+                  <a:t> of the input”.</a:t>
+                </a:r>
+              </a:p>
+            </p:txBody>
+          </p:sp>
+        </mc:Choice>
+        <mc:Fallback>
+          <p:sp>
+            <p:nvSpPr>
+              <p:cNvPr id="3" name="Content Placeholder 2">
+                <a:extLst>
+                  <a:ext uri="{FF2B5EF4-FFF2-40B4-BE49-F238E27FC236}">
+                    <a16:creationId xmlns:a16="http://schemas.microsoft.com/office/drawing/2014/main" id="{EA413CE1-1B1D-C22B-0739-61CFD941B643}"/>
+                  </a:ext>
+                </a:extLst>
+              </p:cNvPr>
+              <p:cNvSpPr>
+                <a:spLocks noGrp="1" noRot="1" noChangeAspect="1" noMove="1" noResize="1" noEditPoints="1" noAdjustHandles="1" noChangeArrowheads="1" noChangeShapeType="1" noTextEdit="1"/>
+              </p:cNvSpPr>
+              <p:nvPr>
+                <p:ph idx="1"/>
+              </p:nvPr>
+            </p:nvSpPr>
+            <p:spPr>
+              <a:blipFill>
+                <a:blip r:embed="rId2"/>
+                <a:stretch>
+                  <a:fillRect l="-754" t="-2661" r="-174"/>
+                </a:stretch>
+              </a:blipFill>
+            </p:spPr>
+            <p:txBody>
+              <a:bodyPr/>
+              <a:lstStyle/>
+              <a:p>
+                <a:r>
+                  <a:rPr lang="en-US">
+                    <a:noFill/>
+                  </a:rPr>
+                  <a:t> </a:t>
+                </a:r>
+              </a:p>
+            </p:txBody>
+          </p:sp>
+        </mc:Fallback>
+      </mc:AlternateContent>
     </p:spTree>
     <p:extLst>
       <p:ext uri="{BB962C8B-B14F-4D97-AF65-F5344CB8AC3E}">
@@ -5450,7 +5499,13 @@
   <p:cSld>
     <p:spTree>
       <p:nvGrpSpPr>
-        <p:cNvPr id="1" name=""/>
+        <p:cNvPr id="1" name="">
+          <a:extLst>
+            <a:ext uri="{FF2B5EF4-FFF2-40B4-BE49-F238E27FC236}">
+              <a16:creationId xmlns:a16="http://schemas.microsoft.com/office/drawing/2014/main" id="{A7B97121-D8FD-6F6B-93A1-115133EFCA77}"/>
+            </a:ext>
+          </a:extLst>
+        </p:cNvPr>
         <p:cNvGrpSpPr/>
         <p:nvPr/>
       </p:nvGrpSpPr>
@@ -5464,56 +5519,54 @@
       </p:grpSpPr>
       <p:sp>
         <p:nvSpPr>
-          <p:cNvPr id="2" name="Title 1">
-            <a:extLst>
-              <a:ext uri="{FF2B5EF4-FFF2-40B4-BE49-F238E27FC236}">
-                <a16:creationId xmlns:a16="http://schemas.microsoft.com/office/drawing/2014/main" id="{22506528-E852-9047-805E-51F1FED8CBB0}"/>
-              </a:ext>
-            </a:extLst>
-          </p:cNvPr>
-          <p:cNvSpPr>
-            <a:spLocks noGrp="1"/>
-          </p:cNvSpPr>
-          <p:nvPr>
-            <p:ph type="title"/>
-          </p:nvPr>
-        </p:nvSpPr>
-        <p:spPr/>
-        <p:txBody>
-          <a:bodyPr/>
-          <a:lstStyle/>
-          <a:p>
-            <a:r>
-              <a:rPr lang="en-US" dirty="0"/>
-              <a:t>What and Why – Loop Invariants</a:t>
-            </a:r>
-          </a:p>
-        </p:txBody>
-      </p:sp>
-      <p:sp>
-        <p:nvSpPr>
-          <p:cNvPr id="3" name="Content Placeholder 2">
-            <a:extLst>
-              <a:ext uri="{FF2B5EF4-FFF2-40B4-BE49-F238E27FC236}">
-                <a16:creationId xmlns:a16="http://schemas.microsoft.com/office/drawing/2014/main" id="{05F13852-A1F8-FC00-29B2-FB3AD61B97E8}"/>
-              </a:ext>
-            </a:extLst>
-          </p:cNvPr>
-          <p:cNvSpPr>
-            <a:spLocks noGrp="1"/>
-          </p:cNvSpPr>
-          <p:nvPr>
-            <p:ph idx="1"/>
-          </p:nvPr>
-        </p:nvSpPr>
-        <p:spPr/>
-        <p:txBody>
-          <a:bodyPr/>
-          <a:lstStyle/>
-          <a:p>
-            <a:r>
-              <a:rPr lang="en-US" dirty="0"/>
-              <a:t>When do we need to use "loop invariant"? Is it possible to prove without "loop invariant" in the proof involved in for or while loop?</a:t>
+          <p:cNvPr id="4" name="Title 1">
+            <a:extLst>
+              <a:ext uri="{FF2B5EF4-FFF2-40B4-BE49-F238E27FC236}">
+                <a16:creationId xmlns:a16="http://schemas.microsoft.com/office/drawing/2014/main" id="{0C2ABDC2-448E-ADCB-31A2-769825DA2F76}"/>
+              </a:ext>
+            </a:extLst>
+          </p:cNvPr>
+          <p:cNvSpPr txBox="1">
+            <a:spLocks/>
+          </p:cNvSpPr>
+          <p:nvPr/>
+        </p:nvSpPr>
+        <p:spPr>
+          <a:xfrm>
+            <a:off x="838200" y="2766218"/>
+            <a:ext cx="10515600" cy="1325563"/>
+          </a:xfrm>
+          <a:prstGeom prst="rect">
+            <a:avLst/>
+          </a:prstGeom>
+        </p:spPr>
+        <p:txBody>
+          <a:bodyPr vert="horz" lIns="91440" tIns="45720" rIns="91440" bIns="45720" rtlCol="0" anchor="ctr">
+            <a:normAutofit/>
+          </a:bodyPr>
+          <a:lstStyle>
+            <a:lvl1pPr algn="l" defTabSz="914400" rtl="0" eaLnBrk="1" latinLnBrk="0" hangingPunct="1">
+              <a:lnSpc>
+                <a:spcPct val="90000"/>
+              </a:lnSpc>
+              <a:spcBef>
+                <a:spcPct val="0"/>
+              </a:spcBef>
+              <a:buNone/>
+              <a:defRPr sz="4400" kern="1200">
+                <a:solidFill>
+                  <a:schemeClr val="tx1"/>
+                </a:solidFill>
+                <a:latin typeface="+mj-lt"/>
+                <a:ea typeface="+mj-ea"/>
+                <a:cs typeface="+mj-cs"/>
+              </a:defRPr>
+            </a:lvl1pPr>
+          </a:lstStyle>
+          <a:p>
+            <a:r>
+              <a:rPr lang="en-US" sz="6000" dirty="0"/>
+              <a:t>Algorithm Running Time</a:t>
             </a:r>
           </a:p>
         </p:txBody>
@@ -5521,7 +5574,7 @@
     </p:spTree>
     <p:extLst>
       <p:ext uri="{BB962C8B-B14F-4D97-AF65-F5344CB8AC3E}">
-        <p14:creationId xmlns:p14="http://schemas.microsoft.com/office/powerpoint/2010/main" val="3149068400"/>
+        <p14:creationId xmlns:p14="http://schemas.microsoft.com/office/powerpoint/2010/main" val="1644215979"/>
       </p:ext>
     </p:extLst>
   </p:cSld>
